--- a/IoT.pptx
+++ b/IoT.pptx
@@ -18,8 +18,8 @@
     <p:sldId id="274" r:id="rId9"/>
     <p:sldId id="275" r:id="rId10"/>
     <p:sldId id="276" r:id="rId11"/>
-    <p:sldId id="277" r:id="rId12"/>
-    <p:sldId id="278" r:id="rId13"/>
+    <p:sldId id="280" r:id="rId12"/>
+    <p:sldId id="277" r:id="rId13"/>
     <p:sldId id="279" r:id="rId14"/>
   </p:sldIdLst>
   <p:sldSz cx="12192000" cy="6858000"/>
@@ -209,7 +209,7 @@
           <a:p>
             <a:fld id="{3D44AE8B-F76C-47A6-AEC4-848BC4929164}" type="datetimeFigureOut">
               <a:rPr lang="de-DE" smtClean="0"/>
-              <a:t>23.04.2019</a:t>
+              <a:t>24.04.2019</a:t>
             </a:fld>
             <a:endParaRPr lang="de-DE"/>
           </a:p>
@@ -560,93 +560,6 @@
 </p:notes>
 </file>
 
-<file path=ppt/notesSlides/notesSlide10.xml><?xml version="1.0" encoding="utf-8"?>
-<p:notes xmlns:a="http://schemas.openxmlformats.org/drawingml/2006/main" xmlns:r="http://schemas.openxmlformats.org/officeDocument/2006/relationships" xmlns:p="http://schemas.openxmlformats.org/presentationml/2006/main">
-  <p:cSld>
-    <p:spTree>
-      <p:nvGrpSpPr>
-        <p:cNvPr id="1" name=""/>
-        <p:cNvGrpSpPr/>
-        <p:nvPr/>
-      </p:nvGrpSpPr>
-      <p:grpSpPr>
-        <a:xfrm>
-          <a:off x="0" y="0"/>
-          <a:ext cx="0" cy="0"/>
-          <a:chOff x="0" y="0"/>
-          <a:chExt cx="0" cy="0"/>
-        </a:xfrm>
-      </p:grpSpPr>
-      <p:sp>
-        <p:nvSpPr>
-          <p:cNvPr id="2" name="Folienbildplatzhalter 1"/>
-          <p:cNvSpPr>
-            <a:spLocks noGrp="1" noRot="1" noChangeAspect="1"/>
-          </p:cNvSpPr>
-          <p:nvPr>
-            <p:ph type="sldImg"/>
-          </p:nvPr>
-        </p:nvSpPr>
-        <p:spPr/>
-      </p:sp>
-      <p:sp>
-        <p:nvSpPr>
-          <p:cNvPr id="3" name="Notizenplatzhalter 2"/>
-          <p:cNvSpPr>
-            <a:spLocks noGrp="1"/>
-          </p:cNvSpPr>
-          <p:nvPr>
-            <p:ph type="body" idx="1"/>
-          </p:nvPr>
-        </p:nvSpPr>
-        <p:spPr/>
-        <p:txBody>
-          <a:bodyPr/>
-          <a:lstStyle/>
-          <a:p>
-            <a:r>
-              <a:rPr lang="de-DE" dirty="0"/>
-              <a:t>Patrick</a:t>
-            </a:r>
-          </a:p>
-        </p:txBody>
-      </p:sp>
-      <p:sp>
-        <p:nvSpPr>
-          <p:cNvPr id="4" name="Foliennummernplatzhalter 3"/>
-          <p:cNvSpPr>
-            <a:spLocks noGrp="1"/>
-          </p:cNvSpPr>
-          <p:nvPr>
-            <p:ph type="sldNum" sz="quarter" idx="5"/>
-          </p:nvPr>
-        </p:nvSpPr>
-        <p:spPr/>
-        <p:txBody>
-          <a:bodyPr/>
-          <a:lstStyle/>
-          <a:p>
-            <a:fld id="{6F9F7E8A-6A99-4354-9C7F-3AAB0DAE3E64}" type="slidenum">
-              <a:rPr lang="de-DE" smtClean="0"/>
-              <a:t>12</a:t>
-            </a:fld>
-            <a:endParaRPr lang="de-DE"/>
-          </a:p>
-        </p:txBody>
-      </p:sp>
-    </p:spTree>
-    <p:extLst>
-      <p:ext uri="{BB962C8B-B14F-4D97-AF65-F5344CB8AC3E}">
-        <p14:creationId xmlns:p14="http://schemas.microsoft.com/office/powerpoint/2010/main" val="4148557412"/>
-      </p:ext>
-    </p:extLst>
-  </p:cSld>
-  <p:clrMapOvr>
-    <a:masterClrMapping/>
-  </p:clrMapOvr>
-</p:notes>
-</file>
-
 <file path=ppt/notesSlides/notesSlide2.xml><?xml version="1.0" encoding="utf-8"?>
 <p:notes xmlns:a="http://schemas.openxmlformats.org/drawingml/2006/main" xmlns:r="http://schemas.openxmlformats.org/officeDocument/2006/relationships" xmlns:p="http://schemas.openxmlformats.org/presentationml/2006/main">
   <p:cSld>
@@ -1358,7 +1271,7 @@
           <a:p>
             <a:fld id="{6F9F7E8A-6A99-4354-9C7F-3AAB0DAE3E64}" type="slidenum">
               <a:rPr lang="de-DE" smtClean="0"/>
-              <a:t>11</a:t>
+              <a:t>12</a:t>
             </a:fld>
             <a:endParaRPr lang="de-DE"/>
           </a:p>
@@ -2122,7 +2035,7 @@
           <a:p>
             <a:fld id="{B78242C6-CCB3-44B3-B046-81EFDB3B6639}" type="datetimeFigureOut">
               <a:rPr lang="de-DE" smtClean="0"/>
-              <a:t>23.04.2019</a:t>
+              <a:t>24.04.2019</a:t>
             </a:fld>
             <a:endParaRPr lang="de-DE"/>
           </a:p>
@@ -2373,7 +2286,7 @@
           <a:p>
             <a:fld id="{B78242C6-CCB3-44B3-B046-81EFDB3B6639}" type="datetimeFigureOut">
               <a:rPr lang="de-DE" smtClean="0"/>
-              <a:t>23.04.2019</a:t>
+              <a:t>24.04.2019</a:t>
             </a:fld>
             <a:endParaRPr lang="de-DE"/>
           </a:p>
@@ -2687,7 +2600,7 @@
           <a:p>
             <a:fld id="{B78242C6-CCB3-44B3-B046-81EFDB3B6639}" type="datetimeFigureOut">
               <a:rPr lang="de-DE" smtClean="0"/>
-              <a:t>23.04.2019</a:t>
+              <a:t>24.04.2019</a:t>
             </a:fld>
             <a:endParaRPr lang="de-DE"/>
           </a:p>
@@ -3020,7 +2933,7 @@
           <a:p>
             <a:fld id="{B78242C6-CCB3-44B3-B046-81EFDB3B6639}" type="datetimeFigureOut">
               <a:rPr lang="de-DE" smtClean="0"/>
-              <a:t>23.04.2019</a:t>
+              <a:t>24.04.2019</a:t>
             </a:fld>
             <a:endParaRPr lang="de-DE"/>
           </a:p>
@@ -3334,7 +3247,7 @@
           <a:p>
             <a:fld id="{B78242C6-CCB3-44B3-B046-81EFDB3B6639}" type="datetimeFigureOut">
               <a:rPr lang="de-DE" smtClean="0"/>
-              <a:t>23.04.2019</a:t>
+              <a:t>24.04.2019</a:t>
             </a:fld>
             <a:endParaRPr lang="de-DE"/>
           </a:p>
@@ -3727,7 +3640,7 @@
           <a:p>
             <a:fld id="{B78242C6-CCB3-44B3-B046-81EFDB3B6639}" type="datetimeFigureOut">
               <a:rPr lang="de-DE" smtClean="0"/>
-              <a:t>23.04.2019</a:t>
+              <a:t>24.04.2019</a:t>
             </a:fld>
             <a:endParaRPr lang="de-DE"/>
           </a:p>
@@ -3897,7 +3810,7 @@
           <a:p>
             <a:fld id="{B78242C6-CCB3-44B3-B046-81EFDB3B6639}" type="datetimeFigureOut">
               <a:rPr lang="de-DE" smtClean="0"/>
-              <a:t>23.04.2019</a:t>
+              <a:t>24.04.2019</a:t>
             </a:fld>
             <a:endParaRPr lang="de-DE"/>
           </a:p>
@@ -4077,7 +3990,7 @@
           <a:p>
             <a:fld id="{B78242C6-CCB3-44B3-B046-81EFDB3B6639}" type="datetimeFigureOut">
               <a:rPr lang="de-DE" smtClean="0"/>
-              <a:t>23.04.2019</a:t>
+              <a:t>24.04.2019</a:t>
             </a:fld>
             <a:endParaRPr lang="de-DE"/>
           </a:p>
@@ -4247,7 +4160,7 @@
           <a:p>
             <a:fld id="{B78242C6-CCB3-44B3-B046-81EFDB3B6639}" type="datetimeFigureOut">
               <a:rPr lang="de-DE" smtClean="0"/>
-              <a:t>23.04.2019</a:t>
+              <a:t>24.04.2019</a:t>
             </a:fld>
             <a:endParaRPr lang="de-DE"/>
           </a:p>
@@ -4494,7 +4407,7 @@
           <a:p>
             <a:fld id="{B78242C6-CCB3-44B3-B046-81EFDB3B6639}" type="datetimeFigureOut">
               <a:rPr lang="de-DE" smtClean="0"/>
-              <a:t>23.04.2019</a:t>
+              <a:t>24.04.2019</a:t>
             </a:fld>
             <a:endParaRPr lang="de-DE"/>
           </a:p>
@@ -4726,7 +4639,7 @@
           <a:p>
             <a:fld id="{B78242C6-CCB3-44B3-B046-81EFDB3B6639}" type="datetimeFigureOut">
               <a:rPr lang="de-DE" smtClean="0"/>
-              <a:t>23.04.2019</a:t>
+              <a:t>24.04.2019</a:t>
             </a:fld>
             <a:endParaRPr lang="de-DE"/>
           </a:p>
@@ -5100,7 +5013,7 @@
           <a:p>
             <a:fld id="{B78242C6-CCB3-44B3-B046-81EFDB3B6639}" type="datetimeFigureOut">
               <a:rPr lang="de-DE" smtClean="0"/>
-              <a:t>23.04.2019</a:t>
+              <a:t>24.04.2019</a:t>
             </a:fld>
             <a:endParaRPr lang="de-DE"/>
           </a:p>
@@ -5223,7 +5136,7 @@
           <a:p>
             <a:fld id="{B78242C6-CCB3-44B3-B046-81EFDB3B6639}" type="datetimeFigureOut">
               <a:rPr lang="de-DE" smtClean="0"/>
-              <a:t>23.04.2019</a:t>
+              <a:t>24.04.2019</a:t>
             </a:fld>
             <a:endParaRPr lang="de-DE"/>
           </a:p>
@@ -5318,7 +5231,7 @@
           <a:p>
             <a:fld id="{B78242C6-CCB3-44B3-B046-81EFDB3B6639}" type="datetimeFigureOut">
               <a:rPr lang="de-DE" smtClean="0"/>
-              <a:t>23.04.2019</a:t>
+              <a:t>24.04.2019</a:t>
             </a:fld>
             <a:endParaRPr lang="de-DE"/>
           </a:p>
@@ -5573,7 +5486,7 @@
           <a:p>
             <a:fld id="{B78242C6-CCB3-44B3-B046-81EFDB3B6639}" type="datetimeFigureOut">
               <a:rPr lang="de-DE" smtClean="0"/>
-              <a:t>23.04.2019</a:t>
+              <a:t>24.04.2019</a:t>
             </a:fld>
             <a:endParaRPr lang="de-DE"/>
           </a:p>
@@ -5878,7 +5791,7 @@
           <a:p>
             <a:fld id="{B78242C6-CCB3-44B3-B046-81EFDB3B6639}" type="datetimeFigureOut">
               <a:rPr lang="de-DE" smtClean="0"/>
-              <a:t>23.04.2019</a:t>
+              <a:t>24.04.2019</a:t>
             </a:fld>
             <a:endParaRPr lang="de-DE"/>
           </a:p>
@@ -6580,7 +6493,7 @@
           <a:p>
             <a:fld id="{B78242C6-CCB3-44B3-B046-81EFDB3B6639}" type="datetimeFigureOut">
               <a:rPr lang="de-DE" smtClean="0"/>
-              <a:t>23.04.2019</a:t>
+              <a:t>24.04.2019</a:t>
             </a:fld>
             <a:endParaRPr lang="de-DE"/>
           </a:p>
@@ -7257,7 +7170,79 @@
           <a:bodyPr/>
           <a:lstStyle/>
           <a:p>
-            <a:endParaRPr lang="de-DE"/>
+            <a:r>
+              <a:rPr lang="de-DE" dirty="0"/>
+              <a:t>2 Leitungen falsch</a:t>
+            </a:r>
+          </a:p>
+          <a:p>
+            <a:r>
+              <a:rPr lang="de-DE" dirty="0"/>
+              <a:t>Bearbeitung der </a:t>
+            </a:r>
+            <a:r>
+              <a:rPr lang="de-DE" dirty="0" err="1"/>
+              <a:t>pin_arduino.h</a:t>
+            </a:r>
+            <a:endParaRPr lang="de-DE" dirty="0"/>
+          </a:p>
+          <a:p>
+            <a:endParaRPr lang="de-DE" dirty="0"/>
+          </a:p>
+          <a:p>
+            <a:r>
+              <a:rPr lang="de-DE" dirty="0"/>
+              <a:t>Änderung des SS Pins</a:t>
+            </a:r>
+          </a:p>
+          <a:p>
+            <a:pPr lvl="1"/>
+            <a:r>
+              <a:rPr lang="de-DE" dirty="0" err="1"/>
+              <a:t>pinMode</a:t>
+            </a:r>
+            <a:r>
+              <a:rPr lang="de-DE" dirty="0"/>
+              <a:t>(10,OUTPUT)</a:t>
+            </a:r>
+          </a:p>
+          <a:p>
+            <a:pPr lvl="1"/>
+            <a:r>
+              <a:rPr lang="de-DE" dirty="0" err="1"/>
+              <a:t>digitalWrite</a:t>
+            </a:r>
+            <a:r>
+              <a:rPr lang="de-DE" dirty="0"/>
+              <a:t>(10,HIGH)</a:t>
+            </a:r>
+          </a:p>
+          <a:p>
+            <a:pPr lvl="1"/>
+            <a:r>
+              <a:rPr lang="de-DE" dirty="0"/>
+              <a:t>#</a:t>
+            </a:r>
+            <a:r>
+              <a:rPr lang="de-DE" dirty="0" err="1"/>
+              <a:t>define</a:t>
+            </a:r>
+            <a:r>
+              <a:rPr lang="de-DE" dirty="0"/>
+              <a:t> PIN_SPI_SS 10 -&gt; #</a:t>
+            </a:r>
+            <a:r>
+              <a:rPr lang="de-DE" dirty="0" err="1"/>
+              <a:t>define</a:t>
+            </a:r>
+            <a:r>
+              <a:rPr lang="de-DE" dirty="0"/>
+              <a:t> PIN_SPI_SS 14</a:t>
+            </a:r>
+          </a:p>
+          <a:p>
+            <a:pPr lvl="1"/>
+            <a:endParaRPr lang="de-DE" dirty="0"/>
           </a:p>
         </p:txBody>
       </p:sp>
@@ -7296,7 +7281,7 @@
           <p:cNvPr id="2" name="Titel 1">
             <a:extLst>
               <a:ext uri="{FF2B5EF4-FFF2-40B4-BE49-F238E27FC236}">
-                <a16:creationId xmlns:a16="http://schemas.microsoft.com/office/drawing/2014/main" id="{E5FD35CA-CD02-4D8A-BC87-50E5CC833224}"/>
+                <a16:creationId xmlns:a16="http://schemas.microsoft.com/office/drawing/2014/main" id="{A2AD8EFF-07DA-4232-B7D6-DA9214412BBA}"/>
               </a:ext>
             </a:extLst>
           </p:cNvPr>
@@ -7314,7 +7299,7 @@
           <a:p>
             <a:r>
               <a:rPr lang="de-DE" dirty="0"/>
-              <a:t>CC1101 – Kommunikation</a:t>
+              <a:t>Programmierung</a:t>
             </a:r>
           </a:p>
         </p:txBody>
@@ -7324,7 +7309,7 @@
           <p:cNvPr id="3" name="Inhaltsplatzhalter 2">
             <a:extLst>
               <a:ext uri="{FF2B5EF4-FFF2-40B4-BE49-F238E27FC236}">
-                <a16:creationId xmlns:a16="http://schemas.microsoft.com/office/drawing/2014/main" id="{CD196A13-761F-4B13-8711-3CD79373C537}"/>
+                <a16:creationId xmlns:a16="http://schemas.microsoft.com/office/drawing/2014/main" id="{B7BD9AFF-1DDC-4A98-BF03-F54DC054635F}"/>
               </a:ext>
             </a:extLst>
           </p:cNvPr>
@@ -7340,14 +7325,66 @@
           <a:bodyPr/>
           <a:lstStyle/>
           <a:p>
-            <a:endParaRPr lang="de-DE"/>
+            <a:r>
+              <a:rPr lang="de-DE" dirty="0" err="1"/>
+              <a:t>sendData</a:t>
+            </a:r>
+            <a:r>
+              <a:rPr lang="de-DE" dirty="0"/>
+              <a:t>()</a:t>
+            </a:r>
+          </a:p>
+          <a:p>
+            <a:r>
+              <a:rPr lang="de-DE" dirty="0"/>
+              <a:t>Erstellung des Data-Pakets</a:t>
+            </a:r>
+          </a:p>
+          <a:p>
+            <a:r>
+              <a:rPr lang="de-DE" dirty="0"/>
+              <a:t>6 Byte lang</a:t>
+            </a:r>
+          </a:p>
+          <a:p>
+            <a:r>
+              <a:rPr lang="de-DE" dirty="0"/>
+              <a:t>{Adresse Empfänger, Adresse Sender, Temperatur, Luftfeuchtigkeit, Qualität, radioaktive Strahlung}</a:t>
+            </a:r>
+          </a:p>
+          <a:p>
+            <a:r>
+              <a:rPr lang="de-DE" dirty="0"/>
+              <a:t>Luftqualität</a:t>
+            </a:r>
+          </a:p>
+          <a:p>
+            <a:pPr lvl="1"/>
+            <a:r>
+              <a:rPr lang="de-DE" dirty="0"/>
+              <a:t>&lt;150 -&gt; gute Luft</a:t>
+            </a:r>
+          </a:p>
+          <a:p>
+            <a:pPr lvl="1"/>
+            <a:r>
+              <a:rPr lang="de-DE" dirty="0"/>
+              <a:t>150 – 180 -&gt; moderate Luft</a:t>
+            </a:r>
+          </a:p>
+          <a:p>
+            <a:pPr lvl="1"/>
+            <a:r>
+              <a:rPr lang="de-DE" dirty="0"/>
+              <a:t>&gt;180 -&gt; schlechte Luft</a:t>
+            </a:r>
           </a:p>
         </p:txBody>
       </p:sp>
     </p:spTree>
     <p:extLst>
       <p:ext uri="{BB962C8B-B14F-4D97-AF65-F5344CB8AC3E}">
-        <p14:creationId xmlns:p14="http://schemas.microsoft.com/office/powerpoint/2010/main" val="3631830757"/>
+        <p14:creationId xmlns:p14="http://schemas.microsoft.com/office/powerpoint/2010/main" val="2136209412"/>
       </p:ext>
     </p:extLst>
   </p:cSld>
@@ -7397,7 +7434,7 @@
           <a:p>
             <a:r>
               <a:rPr lang="de-DE" dirty="0"/>
-              <a:t>Protokoll</a:t>
+              <a:t>CC1101 – Kommunikation</a:t>
             </a:r>
           </a:p>
         </p:txBody>
@@ -7423,14 +7460,14 @@
           <a:bodyPr/>
           <a:lstStyle/>
           <a:p>
-            <a:endParaRPr lang="de-DE" dirty="0"/>
+            <a:endParaRPr lang="de-DE"/>
           </a:p>
         </p:txBody>
       </p:sp>
     </p:spTree>
     <p:extLst>
       <p:ext uri="{BB962C8B-B14F-4D97-AF65-F5344CB8AC3E}">
-        <p14:creationId xmlns:p14="http://schemas.microsoft.com/office/powerpoint/2010/main" val="1715438231"/>
+        <p14:creationId xmlns:p14="http://schemas.microsoft.com/office/powerpoint/2010/main" val="3631830757"/>
       </p:ext>
     </p:extLst>
   </p:cSld>
@@ -7478,7 +7515,10 @@
           <a:bodyPr/>
           <a:lstStyle/>
           <a:p>
-            <a:endParaRPr lang="de-DE" dirty="0"/>
+            <a:r>
+              <a:rPr lang="de-DE" dirty="0"/>
+              <a:t>Live Demo</a:t>
+            </a:r>
           </a:p>
         </p:txBody>
       </p:sp>
@@ -7849,6 +7889,18 @@
           <a:p>
             <a:r>
               <a:rPr lang="de-DE" dirty="0"/>
+              <a:t>In- vs. Outdoor</a:t>
+            </a:r>
+          </a:p>
+          <a:p>
+            <a:r>
+              <a:rPr lang="de-DE" dirty="0"/>
+              <a:t>Seismograph</a:t>
+            </a:r>
+          </a:p>
+          <a:p>
+            <a:r>
+              <a:rPr lang="de-DE" dirty="0"/>
               <a:t>Luftqualitätssensor</a:t>
             </a:r>
           </a:p>
@@ -8136,10 +8188,67 @@
           <a:bodyPr/>
           <a:lstStyle/>
           <a:p>
+            <a:r>
+              <a:rPr lang="de-DE" dirty="0"/>
+              <a:t>Zurück zu Arduino</a:t>
+            </a:r>
+          </a:p>
+          <a:p>
+            <a:r>
+              <a:rPr lang="de-DE" dirty="0"/>
+              <a:t>Hauptgrund Luftqualitätssensor</a:t>
+            </a:r>
+          </a:p>
+          <a:p>
+            <a:r>
+              <a:rPr lang="de-DE" dirty="0" err="1"/>
+              <a:t>Toolchain</a:t>
+            </a:r>
+            <a:r>
+              <a:rPr lang="de-DE" dirty="0"/>
+              <a:t> bearbeiten</a:t>
+            </a:r>
+          </a:p>
+          <a:p>
             <a:endParaRPr lang="de-DE" dirty="0"/>
           </a:p>
         </p:txBody>
       </p:sp>
+      <p:pic>
+        <p:nvPicPr>
+          <p:cNvPr id="5" name="Grafik 4">
+            <a:extLst>
+              <a:ext uri="{FF2B5EF4-FFF2-40B4-BE49-F238E27FC236}">
+                <a16:creationId xmlns:a16="http://schemas.microsoft.com/office/drawing/2014/main" id="{AB8B7638-4655-41DD-9C94-B63CD72FE962}"/>
+              </a:ext>
+            </a:extLst>
+          </p:cNvPr>
+          <p:cNvPicPr>
+            <a:picLocks noChangeAspect="1"/>
+          </p:cNvPicPr>
+          <p:nvPr/>
+        </p:nvPicPr>
+        <p:blipFill rotWithShape="1">
+          <a:blip r:embed="rId3">
+            <a:extLst>
+              <a:ext uri="{28A0092B-C50C-407E-A947-70E740481C1C}">
+                <a14:useLocalDpi xmlns:a14="http://schemas.microsoft.com/office/drawing/2010/main" val="0"/>
+              </a:ext>
+            </a:extLst>
+          </a:blip>
+          <a:srcRect l="608" t="14841" r="16315" b="33210"/>
+          <a:stretch/>
+        </p:blipFill>
+        <p:spPr>
+          <a:xfrm>
+            <a:off x="1359735" y="3498850"/>
+            <a:ext cx="7231865" cy="2542512"/>
+          </a:xfrm>
+          <a:prstGeom prst="rect">
+            <a:avLst/>
+          </a:prstGeom>
+        </p:spPr>
+      </p:pic>
     </p:spTree>
     <p:extLst>
       <p:ext uri="{BB962C8B-B14F-4D97-AF65-F5344CB8AC3E}">
@@ -8305,6 +8414,12 @@
             <a:r>
               <a:rPr lang="de-DE" dirty="0"/>
               <a:t>PCB – Anpassungen</a:t>
+            </a:r>
+          </a:p>
+          <a:p>
+            <a:r>
+              <a:rPr lang="de-DE" dirty="0"/>
+              <a:t>Programmierung</a:t>
             </a:r>
           </a:p>
           <a:p>

--- a/IoT.pptx
+++ b/IoT.pptx
@@ -8425,14 +8425,13 @@
           <a:p>
             <a:r>
               <a:rPr lang="de-DE" dirty="0"/>
-              <a:t>CC1101 – Kommunikation</a:t>
-            </a:r>
-          </a:p>
-          <a:p>
-            <a:r>
-              <a:rPr lang="de-DE" dirty="0"/>
-              <a:t>Protokoll</a:t>
-            </a:r>
+              <a:t>CC1101 </a:t>
+            </a:r>
+            <a:r>
+              <a:rPr lang="de-DE"/>
+              <a:t>– Kommunikation</a:t>
+            </a:r>
+            <a:endParaRPr lang="de-DE" dirty="0"/>
           </a:p>
         </p:txBody>
       </p:sp>
